--- a/mhw1.pptx
+++ b/mhw1.pptx
@@ -276,7 +276,7 @@
           <a:p>
             <a:fld id="{76969C88-B244-455D-A017-012B25B1ACDD}" type="datetimeFigureOut">
               <a:rPr lang="en-US" smtClean="0"/>
-              <a:t>3/25/2021</a:t>
+              <a:t>3/26/2021</a:t>
             </a:fld>
             <a:endParaRPr lang="en-US"/>
           </a:p>
@@ -474,7 +474,7 @@
           <a:p>
             <a:fld id="{76969C88-B244-455D-A017-012B25B1ACDD}" type="datetimeFigureOut">
               <a:rPr lang="en-US" smtClean="0"/>
-              <a:t>3/25/2021</a:t>
+              <a:t>3/26/2021</a:t>
             </a:fld>
             <a:endParaRPr lang="en-US"/>
           </a:p>
@@ -682,7 +682,7 @@
           <a:p>
             <a:fld id="{76969C88-B244-455D-A017-012B25B1ACDD}" type="datetimeFigureOut">
               <a:rPr lang="en-US" smtClean="0"/>
-              <a:t>3/25/2021</a:t>
+              <a:t>3/26/2021</a:t>
             </a:fld>
             <a:endParaRPr lang="en-US"/>
           </a:p>
@@ -881,7 +881,7 @@
           <a:p>
             <a:fld id="{76969C88-B244-455D-A017-012B25B1ACDD}" type="datetimeFigureOut">
               <a:rPr lang="en-US" smtClean="0"/>
-              <a:t>3/25/2021</a:t>
+              <a:t>3/26/2021</a:t>
             </a:fld>
             <a:endParaRPr lang="en-US"/>
           </a:p>
@@ -1156,7 +1156,7 @@
           <a:p>
             <a:fld id="{76969C88-B244-455D-A017-012B25B1ACDD}" type="datetimeFigureOut">
               <a:rPr lang="en-US" smtClean="0"/>
-              <a:t>3/25/2021</a:t>
+              <a:t>3/26/2021</a:t>
             </a:fld>
             <a:endParaRPr lang="en-US"/>
           </a:p>
@@ -1421,7 +1421,7 @@
           <a:p>
             <a:fld id="{76969C88-B244-455D-A017-012B25B1ACDD}" type="datetimeFigureOut">
               <a:rPr lang="en-US" smtClean="0"/>
-              <a:t>3/25/2021</a:t>
+              <a:t>3/26/2021</a:t>
             </a:fld>
             <a:endParaRPr lang="en-US"/>
           </a:p>
@@ -1833,7 +1833,7 @@
           <a:p>
             <a:fld id="{76969C88-B244-455D-A017-012B25B1ACDD}" type="datetimeFigureOut">
               <a:rPr lang="en-US" smtClean="0"/>
-              <a:t>3/25/2021</a:t>
+              <a:t>3/26/2021</a:t>
             </a:fld>
             <a:endParaRPr lang="en-US"/>
           </a:p>
@@ -1974,7 +1974,7 @@
           <a:p>
             <a:fld id="{76969C88-B244-455D-A017-012B25B1ACDD}" type="datetimeFigureOut">
               <a:rPr lang="en-US" smtClean="0"/>
-              <a:t>3/25/2021</a:t>
+              <a:t>3/26/2021</a:t>
             </a:fld>
             <a:endParaRPr lang="en-US"/>
           </a:p>
@@ -2087,7 +2087,7 @@
           <a:p>
             <a:fld id="{76969C88-B244-455D-A017-012B25B1ACDD}" type="datetimeFigureOut">
               <a:rPr lang="en-US" smtClean="0"/>
-              <a:t>3/25/2021</a:t>
+              <a:t>3/26/2021</a:t>
             </a:fld>
             <a:endParaRPr lang="en-US"/>
           </a:p>
@@ -2399,7 +2399,7 @@
           <a:p>
             <a:fld id="{76969C88-B244-455D-A017-012B25B1ACDD}" type="datetimeFigureOut">
               <a:rPr lang="en-US" smtClean="0"/>
-              <a:t>3/25/2021</a:t>
+              <a:t>3/26/2021</a:t>
             </a:fld>
             <a:endParaRPr lang="en-US"/>
           </a:p>
@@ -2690,7 +2690,7 @@
           <a:p>
             <a:fld id="{76969C88-B244-455D-A017-012B25B1ACDD}" type="datetimeFigureOut">
               <a:rPr lang="en-US" smtClean="0"/>
-              <a:t>3/25/2021</a:t>
+              <a:t>3/26/2021</a:t>
             </a:fld>
             <a:endParaRPr lang="en-US"/>
           </a:p>
@@ -3446,7 +3446,7 @@
             <a:fld id="{76969C88-B244-455D-A017-012B25B1ACDD}" type="datetimeFigureOut">
               <a:rPr lang="en-US" smtClean="0"/>
               <a:pPr/>
-              <a:t>3/25/2021</a:t>
+              <a:t>3/26/2021</a:t>
             </a:fld>
             <a:endParaRPr lang="en-US"/>
           </a:p>
@@ -4552,7 +4552,7 @@
           <a:p>
             <a:r>
               <a:rPr lang="it-IT" dirty="0"/>
-              <a:t>L’idea della pagina web verte sulla creazione di una possibile home del sito dedicato alla pagina Instagram.</a:t>
+              <a:t>L’idea della pagina web verte sulla creazione di una possibile home del sito dedicato a «Concept».</a:t>
             </a:r>
           </a:p>
         </p:txBody>
@@ -5696,6 +5696,94 @@
           </a:p>
         </p:txBody>
       </p:sp>
+      <p:sp>
+        <p:nvSpPr>
+          <p:cNvPr id="12" name="CasellaDiTesto 11">
+            <a:extLst>
+              <a:ext uri="{FF2B5EF4-FFF2-40B4-BE49-F238E27FC236}">
+                <a16:creationId xmlns:a16="http://schemas.microsoft.com/office/drawing/2014/main" id="{23D698AE-7D10-4E7F-8D89-8372A6DD0953}"/>
+              </a:ext>
+            </a:extLst>
+          </p:cNvPr>
+          <p:cNvSpPr txBox="1"/>
+          <p:nvPr/>
+        </p:nvSpPr>
+        <p:spPr>
+          <a:xfrm>
+            <a:off x="3050202" y="3080175"/>
+            <a:ext cx="933254" cy="307777"/>
+          </a:xfrm>
+          <a:prstGeom prst="rect">
+            <a:avLst/>
+          </a:prstGeom>
+          <a:noFill/>
+        </p:spPr>
+        <p:txBody>
+          <a:bodyPr wrap="square" rtlCol="0">
+            <a:spAutoFit/>
+          </a:bodyPr>
+          <a:lstStyle/>
+          <a:p>
+            <a:r>
+              <a:rPr lang="it-IT" sz="1400" dirty="0">
+                <a:solidFill>
+                  <a:schemeClr val="bg1"/>
+                </a:solidFill>
+              </a:rPr>
+              <a:t>30px</a:t>
+            </a:r>
+          </a:p>
+        </p:txBody>
+      </p:sp>
+      <p:sp>
+        <p:nvSpPr>
+          <p:cNvPr id="18" name="Parentesi graffa aperta 17">
+            <a:extLst>
+              <a:ext uri="{FF2B5EF4-FFF2-40B4-BE49-F238E27FC236}">
+                <a16:creationId xmlns:a16="http://schemas.microsoft.com/office/drawing/2014/main" id="{05DCBD97-CE65-4BBE-B2D5-8E50E85F1912}"/>
+              </a:ext>
+            </a:extLst>
+          </p:cNvPr>
+          <p:cNvSpPr/>
+          <p:nvPr/>
+        </p:nvSpPr>
+        <p:spPr>
+          <a:xfrm>
+            <a:off x="3730488" y="3117308"/>
+            <a:ext cx="157431" cy="233512"/>
+          </a:xfrm>
+          <a:prstGeom prst="leftBrace">
+            <a:avLst/>
+          </a:prstGeom>
+          <a:ln w="28575">
+            <a:solidFill>
+              <a:srgbClr val="00B050"/>
+            </a:solidFill>
+          </a:ln>
+        </p:spPr>
+        <p:style>
+          <a:lnRef idx="1">
+            <a:schemeClr val="accent1"/>
+          </a:lnRef>
+          <a:fillRef idx="0">
+            <a:schemeClr val="accent1"/>
+          </a:fillRef>
+          <a:effectRef idx="0">
+            <a:schemeClr val="accent1"/>
+          </a:effectRef>
+          <a:fontRef idx="minor">
+            <a:schemeClr val="tx1"/>
+          </a:fontRef>
+        </p:style>
+        <p:txBody>
+          <a:bodyPr rtlCol="0" anchor="ctr"/>
+          <a:lstStyle/>
+          <a:p>
+            <a:pPr algn="ctr"/>
+            <a:endParaRPr lang="it-IT"/>
+          </a:p>
+        </p:txBody>
+      </p:sp>
     </p:spTree>
     <p:extLst>
       <p:ext uri="{BB962C8B-B14F-4D97-AF65-F5344CB8AC3E}">
@@ -6143,6 +6231,93 @@
             <a:r>
               <a:rPr lang="it-IT" dirty="0"/>
               <a:t>8px</a:t>
+            </a:r>
+          </a:p>
+        </p:txBody>
+      </p:sp>
+      <p:sp>
+        <p:nvSpPr>
+          <p:cNvPr id="16" name="Parentesi graffa aperta 15">
+            <a:extLst>
+              <a:ext uri="{FF2B5EF4-FFF2-40B4-BE49-F238E27FC236}">
+                <a16:creationId xmlns:a16="http://schemas.microsoft.com/office/drawing/2014/main" id="{154C770E-4F95-45E8-92B9-C496D5BEE78C}"/>
+              </a:ext>
+            </a:extLst>
+          </p:cNvPr>
+          <p:cNvSpPr/>
+          <p:nvPr/>
+        </p:nvSpPr>
+        <p:spPr>
+          <a:xfrm>
+            <a:off x="4373157" y="1880897"/>
+            <a:ext cx="421523" cy="261841"/>
+          </a:xfrm>
+          <a:prstGeom prst="leftBrace">
+            <a:avLst>
+              <a:gd name="adj1" fmla="val 36625"/>
+              <a:gd name="adj2" fmla="val 50000"/>
+            </a:avLst>
+          </a:prstGeom>
+          <a:ln w="38100">
+            <a:solidFill>
+              <a:srgbClr val="0070C0"/>
+            </a:solidFill>
+          </a:ln>
+        </p:spPr>
+        <p:style>
+          <a:lnRef idx="1">
+            <a:schemeClr val="accent1"/>
+          </a:lnRef>
+          <a:fillRef idx="0">
+            <a:schemeClr val="accent1"/>
+          </a:fillRef>
+          <a:effectRef idx="0">
+            <a:schemeClr val="accent1"/>
+          </a:effectRef>
+          <a:fontRef idx="minor">
+            <a:schemeClr val="tx1"/>
+          </a:fontRef>
+        </p:style>
+        <p:txBody>
+          <a:bodyPr rtlCol="0" anchor="ctr"/>
+          <a:lstStyle/>
+          <a:p>
+            <a:pPr algn="ctr"/>
+            <a:endParaRPr lang="it-IT"/>
+          </a:p>
+        </p:txBody>
+      </p:sp>
+      <p:sp>
+        <p:nvSpPr>
+          <p:cNvPr id="17" name="CasellaDiTesto 16">
+            <a:extLst>
+              <a:ext uri="{FF2B5EF4-FFF2-40B4-BE49-F238E27FC236}">
+                <a16:creationId xmlns:a16="http://schemas.microsoft.com/office/drawing/2014/main" id="{77750D70-B18C-4DE1-A5DC-29B361157088}"/>
+              </a:ext>
+            </a:extLst>
+          </p:cNvPr>
+          <p:cNvSpPr txBox="1"/>
+          <p:nvPr/>
+        </p:nvSpPr>
+        <p:spPr>
+          <a:xfrm>
+            <a:off x="3405900" y="1831739"/>
+            <a:ext cx="730163" cy="369332"/>
+          </a:xfrm>
+          <a:prstGeom prst="rect">
+            <a:avLst/>
+          </a:prstGeom>
+          <a:noFill/>
+        </p:spPr>
+        <p:txBody>
+          <a:bodyPr wrap="square" rtlCol="0">
+            <a:spAutoFit/>
+          </a:bodyPr>
+          <a:lstStyle/>
+          <a:p>
+            <a:r>
+              <a:rPr lang="it-IT" dirty="0"/>
+              <a:t>20px</a:t>
             </a:r>
           </a:p>
         </p:txBody>
